--- a/examples/questionnaires/documentation/figures/erroneous-questionnaire-scenario.pptx
+++ b/examples/questionnaires/documentation/figures/erroneous-questionnaire-scenario.pptx
@@ -288,7 +288,7 @@
           <a:p>
             <a:fld id="{F51DDA65-D006-2B49-BC2C-DE498E4BF984}" type="datetimeFigureOut">
               <a:rPr lang="en-US" smtClean="0"/>
-              <a:t>28/07/15</a:t>
+              <a:t>27/11/15</a:t>
             </a:fld>
             <a:endParaRPr lang="en-GB"/>
           </a:p>
@@ -458,7 +458,7 @@
           <a:p>
             <a:fld id="{F51DDA65-D006-2B49-BC2C-DE498E4BF984}" type="datetimeFigureOut">
               <a:rPr lang="en-US" smtClean="0"/>
-              <a:t>28/07/15</a:t>
+              <a:t>27/11/15</a:t>
             </a:fld>
             <a:endParaRPr lang="en-GB"/>
           </a:p>
@@ -638,7 +638,7 @@
           <a:p>
             <a:fld id="{F51DDA65-D006-2B49-BC2C-DE498E4BF984}" type="datetimeFigureOut">
               <a:rPr lang="en-US" smtClean="0"/>
-              <a:t>28/07/15</a:t>
+              <a:t>27/11/15</a:t>
             </a:fld>
             <a:endParaRPr lang="en-GB"/>
           </a:p>
@@ -808,7 +808,7 @@
           <a:p>
             <a:fld id="{F51DDA65-D006-2B49-BC2C-DE498E4BF984}" type="datetimeFigureOut">
               <a:rPr lang="en-US" smtClean="0"/>
-              <a:t>28/07/15</a:t>
+              <a:t>27/11/15</a:t>
             </a:fld>
             <a:endParaRPr lang="en-GB"/>
           </a:p>
@@ -1054,7 +1054,7 @@
           <a:p>
             <a:fld id="{F51DDA65-D006-2B49-BC2C-DE498E4BF984}" type="datetimeFigureOut">
               <a:rPr lang="en-US" smtClean="0"/>
-              <a:t>28/07/15</a:t>
+              <a:t>27/11/15</a:t>
             </a:fld>
             <a:endParaRPr lang="en-GB"/>
           </a:p>
@@ -1342,7 +1342,7 @@
           <a:p>
             <a:fld id="{F51DDA65-D006-2B49-BC2C-DE498E4BF984}" type="datetimeFigureOut">
               <a:rPr lang="en-US" smtClean="0"/>
-              <a:t>28/07/15</a:t>
+              <a:t>27/11/15</a:t>
             </a:fld>
             <a:endParaRPr lang="en-GB"/>
           </a:p>
@@ -1764,7 +1764,7 @@
           <a:p>
             <a:fld id="{F51DDA65-D006-2B49-BC2C-DE498E4BF984}" type="datetimeFigureOut">
               <a:rPr lang="en-US" smtClean="0"/>
-              <a:t>28/07/15</a:t>
+              <a:t>27/11/15</a:t>
             </a:fld>
             <a:endParaRPr lang="en-GB"/>
           </a:p>
@@ -1882,7 +1882,7 @@
           <a:p>
             <a:fld id="{F51DDA65-D006-2B49-BC2C-DE498E4BF984}" type="datetimeFigureOut">
               <a:rPr lang="en-US" smtClean="0"/>
-              <a:t>28/07/15</a:t>
+              <a:t>27/11/15</a:t>
             </a:fld>
             <a:endParaRPr lang="en-GB"/>
           </a:p>
@@ -1977,7 +1977,7 @@
           <a:p>
             <a:fld id="{F51DDA65-D006-2B49-BC2C-DE498E4BF984}" type="datetimeFigureOut">
               <a:rPr lang="en-US" smtClean="0"/>
-              <a:t>28/07/15</a:t>
+              <a:t>27/11/15</a:t>
             </a:fld>
             <a:endParaRPr lang="en-GB"/>
           </a:p>
@@ -2254,7 +2254,7 @@
           <a:p>
             <a:fld id="{F51DDA65-D006-2B49-BC2C-DE498E4BF984}" type="datetimeFigureOut">
               <a:rPr lang="en-US" smtClean="0"/>
-              <a:t>28/07/15</a:t>
+              <a:t>27/11/15</a:t>
             </a:fld>
             <a:endParaRPr lang="en-GB"/>
           </a:p>
@@ -2507,7 +2507,7 @@
           <a:p>
             <a:fld id="{F51DDA65-D006-2B49-BC2C-DE498E4BF984}" type="datetimeFigureOut">
               <a:rPr lang="en-US" smtClean="0"/>
-              <a:t>28/07/15</a:t>
+              <a:t>27/11/15</a:t>
             </a:fld>
             <a:endParaRPr lang="en-GB"/>
           </a:p>
@@ -2720,7 +2720,7 @@
           <a:p>
             <a:fld id="{F51DDA65-D006-2B49-BC2C-DE498E4BF984}" type="datetimeFigureOut">
               <a:rPr lang="en-US" smtClean="0"/>
-              <a:t>28/07/15</a:t>
+              <a:t>27/11/15</a:t>
             </a:fld>
             <a:endParaRPr lang="en-GB"/>
           </a:p>
@@ -3180,20 +3180,17 @@
             <a:pPr algn="ctr"/>
             <a:r>
               <a:rPr lang="en-GB" sz="1100" b="1" dirty="0" smtClean="0">
-                <a:latin typeface="Arial"/>
                 <a:cs typeface="Arial"/>
               </a:rPr>
               <a:t>(a)</a:t>
             </a:r>
             <a:r>
               <a:rPr lang="en-GB" sz="1100" dirty="0" smtClean="0">
-                <a:latin typeface="Arial"/>
                 <a:cs typeface="Arial"/>
               </a:rPr>
               <a:t> erroneous questionnaire (subtracting from a Boolean value is a type error)</a:t>
             </a:r>
             <a:endParaRPr lang="en-GB" sz="1100" dirty="0">
-              <a:latin typeface="Arial"/>
               <a:cs typeface="Arial"/>
             </a:endParaRPr>
           </a:p>
@@ -3224,7 +3221,6 @@
             <a:pPr algn="ctr"/>
             <a:r>
               <a:rPr lang="en-GB" sz="1100" b="1" dirty="0" smtClean="0">
-                <a:latin typeface="Arial"/>
                 <a:cs typeface="Arial"/>
               </a:rPr>
               <a:t>not well-formed warning</a:t>
@@ -3234,34 +3230,29 @@
             <a:pPr algn="ctr"/>
             <a:r>
               <a:rPr lang="en-GB" sz="1100" dirty="0">
-                <a:latin typeface="Arial"/>
                 <a:cs typeface="Arial"/>
               </a:rPr>
               <a:t>T</a:t>
             </a:r>
             <a:r>
               <a:rPr lang="en-GB" sz="1100" dirty="0" smtClean="0">
-                <a:latin typeface="Arial"/>
                 <a:cs typeface="Arial"/>
               </a:rPr>
               <a:t>he questionnaire can still be used. Computations are performed; computations on undefined yield undefined. In group conditions, undefined is treated as </a:t>
             </a:r>
             <a:r>
               <a:rPr lang="en-GB" sz="1100" i="1" dirty="0" smtClean="0">
-                <a:latin typeface="Arial"/>
                 <a:cs typeface="Arial"/>
               </a:rPr>
               <a:t>false</a:t>
             </a:r>
             <a:r>
               <a:rPr lang="en-GB" sz="1100" dirty="0" smtClean="0">
-                <a:latin typeface="Arial"/>
                 <a:cs typeface="Arial"/>
               </a:rPr>
               <a:t>. </a:t>
             </a:r>
             <a:endParaRPr lang="en-GB" sz="1100" dirty="0">
-              <a:latin typeface="Arial"/>
               <a:cs typeface="Arial"/>
             </a:endParaRPr>
           </a:p>
@@ -3282,7 +3273,7 @@
             <a:avLst/>
           </a:prstGeom>
           <a:noFill/>
-          <a:ln w="12700">
+          <a:ln w="19050">
             <a:solidFill>
               <a:srgbClr val="3366FF"/>
             </a:solidFill>
@@ -3330,7 +3321,7 @@
           <a:prstGeom prst="line">
             <a:avLst/>
           </a:prstGeom>
-          <a:ln w="12700">
+          <a:ln w="19050">
             <a:solidFill>
               <a:srgbClr val="3366FF"/>
             </a:solidFill>
